--- a/CalendarioAgo2023/presentaciones/11_Strings.pptx
+++ b/CalendarioAgo2023/presentaciones/11_Strings.pptx
@@ -223,7 +223,7 @@
           <a:p>
             <a:fld id="{55C7BC42-2F9C-4966-894F-B6FA6F3C1DB8}" type="datetimeFigureOut">
               <a:rPr lang="es-MX" smtClean="0"/>
-              <a:t>18/04/2022</a:t>
+              <a:t>02/10/2023</a:t>
             </a:fld>
             <a:endParaRPr lang="es-MX" dirty="0"/>
           </a:p>
@@ -756,7 +756,7 @@
           <a:p>
             <a:fld id="{47016A6E-E1CA-4694-BCEE-11D49EEFA04C}" type="datetimeFigureOut">
               <a:rPr lang="es-MX" smtClean="0"/>
-              <a:t>18/04/2022</a:t>
+              <a:t>02/10/2023</a:t>
             </a:fld>
             <a:endParaRPr lang="es-MX" dirty="0"/>
           </a:p>
@@ -926,7 +926,7 @@
           <a:p>
             <a:fld id="{47016A6E-E1CA-4694-BCEE-11D49EEFA04C}" type="datetimeFigureOut">
               <a:rPr lang="es-MX" smtClean="0"/>
-              <a:t>18/04/2022</a:t>
+              <a:t>02/10/2023</a:t>
             </a:fld>
             <a:endParaRPr lang="es-MX" dirty="0"/>
           </a:p>
@@ -1106,7 +1106,7 @@
           <a:p>
             <a:fld id="{47016A6E-E1CA-4694-BCEE-11D49EEFA04C}" type="datetimeFigureOut">
               <a:rPr lang="es-MX" smtClean="0"/>
-              <a:t>18/04/2022</a:t>
+              <a:t>02/10/2023</a:t>
             </a:fld>
             <a:endParaRPr lang="es-MX" dirty="0"/>
           </a:p>
@@ -1259,7 +1259,7 @@
           <a:p>
             <a:fld id="{1D8BD707-D9CF-40AE-B4C6-C98DA3205C09}" type="datetimeFigureOut">
               <a:rPr lang="en-US" smtClean="0"/>
-              <a:t>4/18/2022</a:t>
+              <a:t>10/2/2023</a:t>
             </a:fld>
             <a:endParaRPr lang="en-US"/>
           </a:p>
@@ -1419,7 +1419,7 @@
           <a:p>
             <a:fld id="{47016A6E-E1CA-4694-BCEE-11D49EEFA04C}" type="datetimeFigureOut">
               <a:rPr lang="es-MX" smtClean="0"/>
-              <a:t>18/04/2022</a:t>
+              <a:t>02/10/2023</a:t>
             </a:fld>
             <a:endParaRPr lang="es-MX" dirty="0"/>
           </a:p>
@@ -1665,7 +1665,7 @@
           <a:p>
             <a:fld id="{47016A6E-E1CA-4694-BCEE-11D49EEFA04C}" type="datetimeFigureOut">
               <a:rPr lang="es-MX" smtClean="0"/>
-              <a:t>18/04/2022</a:t>
+              <a:t>02/10/2023</a:t>
             </a:fld>
             <a:endParaRPr lang="es-MX" dirty="0"/>
           </a:p>
@@ -1953,7 +1953,7 @@
           <a:p>
             <a:fld id="{47016A6E-E1CA-4694-BCEE-11D49EEFA04C}" type="datetimeFigureOut">
               <a:rPr lang="es-MX" smtClean="0"/>
-              <a:t>18/04/2022</a:t>
+              <a:t>02/10/2023</a:t>
             </a:fld>
             <a:endParaRPr lang="es-MX" dirty="0"/>
           </a:p>
@@ -2375,7 +2375,7 @@
           <a:p>
             <a:fld id="{47016A6E-E1CA-4694-BCEE-11D49EEFA04C}" type="datetimeFigureOut">
               <a:rPr lang="es-MX" smtClean="0"/>
-              <a:t>18/04/2022</a:t>
+              <a:t>02/10/2023</a:t>
             </a:fld>
             <a:endParaRPr lang="es-MX" dirty="0"/>
           </a:p>
@@ -2493,7 +2493,7 @@
           <a:p>
             <a:fld id="{47016A6E-E1CA-4694-BCEE-11D49EEFA04C}" type="datetimeFigureOut">
               <a:rPr lang="es-MX" smtClean="0"/>
-              <a:t>18/04/2022</a:t>
+              <a:t>02/10/2023</a:t>
             </a:fld>
             <a:endParaRPr lang="es-MX" dirty="0"/>
           </a:p>
@@ -2588,7 +2588,7 @@
           <a:p>
             <a:fld id="{47016A6E-E1CA-4694-BCEE-11D49EEFA04C}" type="datetimeFigureOut">
               <a:rPr lang="es-MX" smtClean="0"/>
-              <a:t>18/04/2022</a:t>
+              <a:t>02/10/2023</a:t>
             </a:fld>
             <a:endParaRPr lang="es-MX" dirty="0"/>
           </a:p>
@@ -2865,7 +2865,7 @@
           <a:p>
             <a:fld id="{47016A6E-E1CA-4694-BCEE-11D49EEFA04C}" type="datetimeFigureOut">
               <a:rPr lang="es-MX" smtClean="0"/>
-              <a:t>18/04/2022</a:t>
+              <a:t>02/10/2023</a:t>
             </a:fld>
             <a:endParaRPr lang="es-MX" dirty="0"/>
           </a:p>
@@ -3118,7 +3118,7 @@
           <a:p>
             <a:fld id="{47016A6E-E1CA-4694-BCEE-11D49EEFA04C}" type="datetimeFigureOut">
               <a:rPr lang="es-MX" smtClean="0"/>
-              <a:t>18/04/2022</a:t>
+              <a:t>02/10/2023</a:t>
             </a:fld>
             <a:endParaRPr lang="es-MX" dirty="0"/>
           </a:p>
@@ -3331,7 +3331,7 @@
           <a:p>
             <a:fld id="{47016A6E-E1CA-4694-BCEE-11D49EEFA04C}" type="datetimeFigureOut">
               <a:rPr lang="es-MX" smtClean="0"/>
-              <a:t>18/04/2022</a:t>
+              <a:t>02/10/2023</a:t>
             </a:fld>
             <a:endParaRPr lang="es-MX" dirty="0"/>
           </a:p>
@@ -3982,7 +3982,7 @@
           <p:nvPr>
             <p:extLst>
               <p:ext uri="{D42A27DB-BD31-4B8C-83A1-F6EECF244321}">
-                <p14:modId xmlns:p14="http://schemas.microsoft.com/office/powerpoint/2010/main" val="3434282450"/>
+                <p14:modId xmlns:p14="http://schemas.microsoft.com/office/powerpoint/2010/main" val="3826346643"/>
               </p:ext>
             </p:extLst>
           </p:nvPr>
@@ -4196,15 +4196,18 @@
                         </a:rPr>
                         <a:t>upper</a:t>
                       </a:r>
-                      <a:endParaRPr lang="es-MX" sz="1800" b="1" kern="1200" dirty="0">
-                        <a:solidFill>
-                          <a:schemeClr val="dk1"/>
-                        </a:solidFill>
-                        <a:effectLst/>
-                        <a:latin typeface="+mn-lt"/>
-                        <a:ea typeface="+mn-ea"/>
-                        <a:cs typeface="+mn-cs"/>
-                      </a:endParaRPr>
+                      <a:r>
+                        <a:rPr lang="es-MX" sz="1800" b="1" kern="1200" dirty="0">
+                          <a:solidFill>
+                            <a:schemeClr val="dk1"/>
+                          </a:solidFill>
+                          <a:effectLst/>
+                          <a:latin typeface="+mn-lt"/>
+                          <a:ea typeface="+mn-ea"/>
+                          <a:cs typeface="+mn-cs"/>
+                        </a:rPr>
+                        <a:t>()</a:t>
+                      </a:r>
                     </a:p>
                   </a:txBody>
                   <a:tcPr marL="68580" marR="68580" marT="0" marB="0" anchor="ctr" anchorCtr="1">
@@ -4490,15 +4493,18 @@
                         </a:rPr>
                         <a:t>lower</a:t>
                       </a:r>
-                      <a:endParaRPr lang="es-MX" sz="1800" b="1" kern="1200" dirty="0">
-                        <a:solidFill>
-                          <a:schemeClr val="dk1"/>
-                        </a:solidFill>
-                        <a:effectLst/>
-                        <a:latin typeface="+mn-lt"/>
-                        <a:ea typeface="+mn-ea"/>
-                        <a:cs typeface="+mn-cs"/>
-                      </a:endParaRPr>
+                      <a:r>
+                        <a:rPr lang="es-MX" sz="1800" b="1" kern="1200" dirty="0">
+                          <a:solidFill>
+                            <a:schemeClr val="dk1"/>
+                          </a:solidFill>
+                          <a:effectLst/>
+                          <a:latin typeface="+mn-lt"/>
+                          <a:ea typeface="+mn-ea"/>
+                          <a:cs typeface="+mn-cs"/>
+                        </a:rPr>
+                        <a:t>()</a:t>
+                      </a:r>
                     </a:p>
                   </a:txBody>
                   <a:tcPr marL="68580" marR="68580" marT="0" marB="0" anchor="ctr" anchorCtr="1">
@@ -4758,15 +4764,18 @@
                         </a:rPr>
                         <a:t>capitalize</a:t>
                       </a:r>
-                      <a:endParaRPr lang="es-MX" sz="1800" b="1" kern="1200" dirty="0">
-                        <a:solidFill>
-                          <a:schemeClr val="dk1"/>
-                        </a:solidFill>
-                        <a:effectLst/>
-                        <a:latin typeface="+mn-lt"/>
-                        <a:ea typeface="+mn-ea"/>
-                        <a:cs typeface="+mn-cs"/>
-                      </a:endParaRPr>
+                      <a:r>
+                        <a:rPr lang="es-MX" sz="1800" b="1" kern="1200" dirty="0">
+                          <a:solidFill>
+                            <a:schemeClr val="dk1"/>
+                          </a:solidFill>
+                          <a:effectLst/>
+                          <a:latin typeface="+mn-lt"/>
+                          <a:ea typeface="+mn-ea"/>
+                          <a:cs typeface="+mn-cs"/>
+                        </a:rPr>
+                        <a:t>()</a:t>
+                      </a:r>
                     </a:p>
                   </a:txBody>
                   <a:tcPr marL="68580" marR="68580" marT="0" marB="0" anchor="ctr">
@@ -8151,14 +8160,14 @@
           <p:nvPr>
             <p:extLst>
               <p:ext uri="{D42A27DB-BD31-4B8C-83A1-F6EECF244321}">
-                <p14:modId xmlns:p14="http://schemas.microsoft.com/office/powerpoint/2010/main" val="1862454027"/>
+                <p14:modId xmlns:p14="http://schemas.microsoft.com/office/powerpoint/2010/main" val="680206249"/>
               </p:ext>
             </p:extLst>
           </p:nvPr>
         </p:nvGraphicFramePr>
         <p:xfrm>
           <a:off x="703104" y="1262887"/>
-          <a:ext cx="7998440" cy="4332225"/>
+          <a:ext cx="7998440" cy="4342816"/>
         </p:xfrm>
         <a:graphic>
           <a:graphicData uri="http://schemas.openxmlformats.org/drawingml/2006/table">
@@ -8189,7 +8198,7 @@
                   </a:extLst>
                 </a:gridCol>
               </a:tblGrid>
-              <a:tr h="143280">
+              <a:tr h="259892">
                 <a:tc>
                   <a:txBody>
                     <a:bodyPr/>
@@ -16407,14 +16416,14 @@
           <p:nvPr>
             <p:extLst>
               <p:ext uri="{D42A27DB-BD31-4B8C-83A1-F6EECF244321}">
-                <p14:modId xmlns:p14="http://schemas.microsoft.com/office/powerpoint/2010/main" val="4017609071"/>
+                <p14:modId xmlns:p14="http://schemas.microsoft.com/office/powerpoint/2010/main" val="2697575169"/>
               </p:ext>
             </p:extLst>
           </p:nvPr>
         </p:nvGraphicFramePr>
         <p:xfrm>
           <a:off x="869157" y="1268760"/>
-          <a:ext cx="7721101" cy="5122398"/>
+          <a:ext cx="7721101" cy="5229236"/>
         </p:xfrm>
         <a:graphic>
           <a:graphicData uri="http://schemas.openxmlformats.org/drawingml/2006/table">
@@ -16666,7 +16675,47 @@
                           <a:effectLst/>
                           <a:latin typeface="+mn-lt"/>
                         </a:rPr>
-                        <a:t>cadena="    Hola mundo   "</a:t>
+                        <a:t>cadena="    Hola mundo   “</a:t>
+                      </a:r>
+                    </a:p>
+                    <a:p>
+                      <a:pPr marL="0" marR="0" lvl="0" indent="0" algn="l" defTabSz="914400" rtl="0" eaLnBrk="1" fontAlgn="auto" latinLnBrk="0" hangingPunct="1">
+                        <a:lnSpc>
+                          <a:spcPct val="107000"/>
+                        </a:lnSpc>
+                        <a:spcBef>
+                          <a:spcPts val="0"/>
+                        </a:spcBef>
+                        <a:spcAft>
+                          <a:spcPts val="0"/>
+                        </a:spcAft>
+                        <a:buClrTx/>
+                        <a:buSzTx/>
+                        <a:buFontTx/>
+                        <a:buNone/>
+                        <a:tabLst/>
+                        <a:defRPr/>
+                      </a:pPr>
+                      <a:r>
+                        <a:rPr lang="es-MX" sz="1800" b="1" dirty="0">
+                          <a:effectLst/>
+                          <a:latin typeface="+mn-lt"/>
+                        </a:rPr>
+                        <a:t>cadena2 = </a:t>
+                      </a:r>
+                      <a:r>
+                        <a:rPr lang="es-MX" sz="1800" b="1" dirty="0" err="1">
+                          <a:effectLst/>
+                          <a:latin typeface="+mn-lt"/>
+                        </a:rPr>
+                        <a:t>cadena.strip</a:t>
+                      </a:r>
+                      <a:r>
+                        <a:rPr lang="es-MX" sz="1800" b="1" dirty="0">
+                          <a:effectLst/>
+                          <a:latin typeface="+mn-lt"/>
+                        </a:rPr>
+                        <a:t>()</a:t>
                       </a:r>
                     </a:p>
                     <a:p>
@@ -16714,21 +16763,7 @@
                           <a:effectLst/>
                           <a:latin typeface="+mn-lt"/>
                         </a:rPr>
-                        <a:t>(</a:t>
-                      </a:r>
-                      <a:r>
-                        <a:rPr lang="es-MX" sz="1800" b="1" dirty="0" err="1">
-                          <a:effectLst/>
-                          <a:latin typeface="+mn-lt"/>
-                        </a:rPr>
-                        <a:t>cadena.strip</a:t>
-                      </a:r>
-                      <a:r>
-                        <a:rPr lang="es-MX" sz="1800" b="1" dirty="0">
-                          <a:effectLst/>
-                          <a:latin typeface="+mn-lt"/>
-                        </a:rPr>
-                        <a:t>())</a:t>
+                        <a:t>(cadena2)</a:t>
                       </a:r>
                     </a:p>
                     <a:p>
